--- a/pics/2020-09-22-Euler_Formula_Differential_Equation/pics.pptx
+++ b/pics/2020-09-22-Euler_Formula_Differential_Equation/pics.pptx
@@ -4037,8 +4037,8 @@
             </p:nvSpPr>
             <p:spPr>
               <a:xfrm>
-                <a:off x="6200605" y="3030717"/>
-                <a:ext cx="809581" cy="369332"/>
+                <a:off x="6119325" y="3030717"/>
+                <a:ext cx="2858667" cy="369332"/>
               </a:xfrm>
               <a:prstGeom prst="rect">
                 <a:avLst/>
@@ -4061,32 +4061,100 @@
                         <a:rPr lang="en-US" altLang="ko-KR" b="0" i="1" smtClean="0">
                           <a:latin typeface="Cambria Math" panose="02040503050406030204" pitchFamily="18" charset="0"/>
                         </a:rPr>
-                        <m:t>(</m:t>
-                      </m:r>
-                      <m:r>
-                        <a:rPr lang="en-US" altLang="ko-KR" b="0" i="1" smtClean="0">
-                          <a:latin typeface="Cambria Math" panose="02040503050406030204" pitchFamily="18" charset="0"/>
-                        </a:rPr>
                         <m:t>𝑥</m:t>
                       </m:r>
                       <m:r>
                         <a:rPr lang="en-US" altLang="ko-KR" b="0" i="1" smtClean="0">
                           <a:latin typeface="Cambria Math" panose="02040503050406030204" pitchFamily="18" charset="0"/>
                         </a:rPr>
-                        <m:t>, </m:t>
+                        <m:t>+</m:t>
                       </m:r>
                       <m:r>
                         <a:rPr lang="en-US" altLang="ko-KR" b="0" i="1" smtClean="0">
                           <a:latin typeface="Cambria Math" panose="02040503050406030204" pitchFamily="18" charset="0"/>
                         </a:rPr>
-                        <m:t>𝑦</m:t>
+                        <m:t>𝑖𝑦</m:t>
                       </m:r>
                       <m:r>
                         <a:rPr lang="en-US" altLang="ko-KR" b="0" i="1" smtClean="0">
                           <a:latin typeface="Cambria Math" panose="02040503050406030204" pitchFamily="18" charset="0"/>
                         </a:rPr>
-                        <m:t>)</m:t>
+                        <m:t>=</m:t>
                       </m:r>
+                      <m:r>
+                        <a:rPr lang="en-US" altLang="ko-KR" b="0" i="1" smtClean="0">
+                          <a:latin typeface="Cambria Math" panose="02040503050406030204" pitchFamily="18" charset="0"/>
+                        </a:rPr>
+                        <m:t>𝑟</m:t>
+                      </m:r>
+                      <m:func>
+                        <m:funcPr>
+                          <m:ctrlPr>
+                            <a:rPr lang="en-US" altLang="ko-KR" b="0" i="1" smtClean="0">
+                              <a:latin typeface="Cambria Math" panose="02040503050406030204" pitchFamily="18" charset="0"/>
+                            </a:rPr>
+                          </m:ctrlPr>
+                        </m:funcPr>
+                        <m:fName>
+                          <m:r>
+                            <m:rPr>
+                              <m:sty m:val="p"/>
+                            </m:rPr>
+                            <a:rPr lang="en-US" altLang="ko-KR" b="0" i="0" smtClean="0">
+                              <a:latin typeface="Cambria Math" panose="02040503050406030204" pitchFamily="18" charset="0"/>
+                            </a:rPr>
+                            <m:t>cos</m:t>
+                          </m:r>
+                        </m:fName>
+                        <m:e>
+                          <m:r>
+                            <a:rPr lang="en-US" altLang="ko-KR" b="0" i="1" smtClean="0">
+                              <a:latin typeface="Cambria Math" panose="02040503050406030204" pitchFamily="18" charset="0"/>
+                            </a:rPr>
+                            <m:t>𝜃</m:t>
+                          </m:r>
+                        </m:e>
+                      </m:func>
+                      <m:r>
+                        <a:rPr lang="en-US" altLang="ko-KR" b="0" i="1" smtClean="0">
+                          <a:latin typeface="Cambria Math" panose="02040503050406030204" pitchFamily="18" charset="0"/>
+                        </a:rPr>
+                        <m:t>+</m:t>
+                      </m:r>
+                      <m:r>
+                        <a:rPr lang="en-US" altLang="ko-KR" b="0" i="1" smtClean="0">
+                          <a:latin typeface="Cambria Math" panose="02040503050406030204" pitchFamily="18" charset="0"/>
+                        </a:rPr>
+                        <m:t>𝑖𝑟</m:t>
+                      </m:r>
+                      <m:func>
+                        <m:funcPr>
+                          <m:ctrlPr>
+                            <a:rPr lang="en-US" altLang="ko-KR" b="0" i="1" smtClean="0">
+                              <a:latin typeface="Cambria Math" panose="02040503050406030204" pitchFamily="18" charset="0"/>
+                            </a:rPr>
+                          </m:ctrlPr>
+                        </m:funcPr>
+                        <m:fName>
+                          <m:r>
+                            <m:rPr>
+                              <m:sty m:val="p"/>
+                            </m:rPr>
+                            <a:rPr lang="en-US" altLang="ko-KR" b="0" i="0" smtClean="0">
+                              <a:latin typeface="Cambria Math" panose="02040503050406030204" pitchFamily="18" charset="0"/>
+                            </a:rPr>
+                            <m:t>sin</m:t>
+                          </m:r>
+                        </m:fName>
+                        <m:e>
+                          <m:r>
+                            <a:rPr lang="en-US" altLang="ko-KR" b="0" i="1" smtClean="0">
+                              <a:latin typeface="Cambria Math" panose="02040503050406030204" pitchFamily="18" charset="0"/>
+                            </a:rPr>
+                            <m:t>𝜃</m:t>
+                          </m:r>
+                        </m:e>
+                      </m:func>
                     </m:oMath>
                   </m:oMathPara>
                 </a14:m>
@@ -4112,8 +4180,8 @@
             </p:nvSpPr>
             <p:spPr>
               <a:xfrm>
-                <a:off x="6200605" y="3030717"/>
-                <a:ext cx="809581" cy="369332"/>
+                <a:off x="6119325" y="3030717"/>
+                <a:ext cx="2858667" cy="369332"/>
               </a:xfrm>
               <a:prstGeom prst="rect">
                 <a:avLst/>

--- a/pics/2020-09-22-Euler_Formula_Differential_Equation/pics.pptx
+++ b/pics/2020-09-22-Euler_Formula_Differential_Equation/pics.pptx
@@ -6,6 +6,7 @@
   </p:sldMasterIdLst>
   <p:sldIdLst>
     <p:sldId id="256" r:id="rId2"/>
+    <p:sldId id="257" r:id="rId3"/>
   </p:sldIdLst>
   <p:sldSz cx="12192000" cy="6858000"/>
   <p:notesSz cx="6858000" cy="9144000"/>
@@ -104,6 +105,11 @@
       </a:defRPr>
     </a:lvl9pPr>
   </p:defaultTextStyle>
+  <p:extLst>
+    <p:ext uri="{EFAFB233-063F-42B5-8137-9DF3F51BA10A}">
+      <p15:sldGuideLst xmlns:p15="http://schemas.microsoft.com/office/powerpoint/2012/main"/>
+    </p:ext>
+  </p:extLst>
 </p:presentation>
 </file>
 
@@ -3399,8 +3405,8 @@
           </a:fontRef>
         </p:style>
       </p:cxnSp>
-      <mc:AlternateContent xmlns:mc="http://schemas.openxmlformats.org/markup-compatibility/2006">
-        <mc:Choice xmlns:a14="http://schemas.microsoft.com/office/drawing/2010/main" Requires="a14">
+      <mc:AlternateContent xmlns:mc="http://schemas.openxmlformats.org/markup-compatibility/2006" xmlns:a14="http://schemas.microsoft.com/office/drawing/2010/main">
+        <mc:Choice Requires="a14">
           <p:sp>
             <p:nvSpPr>
               <p:cNvPr id="8" name="TextBox 7">
@@ -3429,6 +3435,7 @@
               </a:bodyPr>
               <a:lstStyle/>
               <a:p>
+                <a:pPr/>
                 <a14:m>
                   <m:oMathPara xmlns:m="http://schemas.openxmlformats.org/officeDocument/2006/math">
                     <m:oMathParaPr>
@@ -3449,7 +3456,7 @@
             </p:txBody>
           </p:sp>
         </mc:Choice>
-        <mc:Fallback>
+        <mc:Fallback xmlns="">
           <p:sp>
             <p:nvSpPr>
               <p:cNvPr id="8" name="TextBox 7">
@@ -3494,8 +3501,8 @@
           </p:sp>
         </mc:Fallback>
       </mc:AlternateContent>
-      <mc:AlternateContent xmlns:mc="http://schemas.openxmlformats.org/markup-compatibility/2006">
-        <mc:Choice xmlns:a14="http://schemas.microsoft.com/office/drawing/2010/main" Requires="a14">
+      <mc:AlternateContent xmlns:mc="http://schemas.openxmlformats.org/markup-compatibility/2006" xmlns:a14="http://schemas.microsoft.com/office/drawing/2010/main">
+        <mc:Choice Requires="a14">
           <p:sp>
             <p:nvSpPr>
               <p:cNvPr id="9" name="TextBox 8">
@@ -3524,6 +3531,7 @@
               </a:bodyPr>
               <a:lstStyle/>
               <a:p>
+                <a:pPr/>
                 <a14:m>
                   <m:oMathPara xmlns:m="http://schemas.openxmlformats.org/officeDocument/2006/math">
                     <m:oMathParaPr>
@@ -3544,7 +3552,7 @@
             </p:txBody>
           </p:sp>
         </mc:Choice>
-        <mc:Fallback>
+        <mc:Fallback xmlns="">
           <p:sp>
             <p:nvSpPr>
               <p:cNvPr id="9" name="TextBox 8">
@@ -3589,8 +3597,8 @@
           </p:sp>
         </mc:Fallback>
       </mc:AlternateContent>
-      <mc:AlternateContent xmlns:mc="http://schemas.openxmlformats.org/markup-compatibility/2006">
-        <mc:Choice xmlns:a14="http://schemas.microsoft.com/office/drawing/2010/main" Requires="a14">
+      <mc:AlternateContent xmlns:mc="http://schemas.openxmlformats.org/markup-compatibility/2006" xmlns:a14="http://schemas.microsoft.com/office/drawing/2010/main">
+        <mc:Choice Requires="a14">
           <p:sp>
             <p:nvSpPr>
               <p:cNvPr id="10" name="TextBox 9">
@@ -3619,6 +3627,7 @@
               </a:bodyPr>
               <a:lstStyle/>
               <a:p>
+                <a:pPr/>
                 <a14:m>
                   <m:oMathPara xmlns:m="http://schemas.openxmlformats.org/officeDocument/2006/math">
                     <m:oMathParaPr>
@@ -3639,7 +3648,7 @@
             </p:txBody>
           </p:sp>
         </mc:Choice>
-        <mc:Fallback>
+        <mc:Fallback xmlns="">
           <p:sp>
             <p:nvSpPr>
               <p:cNvPr id="10" name="TextBox 9">
@@ -3831,8 +3840,8 @@
           </a:p>
         </p:txBody>
       </p:sp>
-      <mc:AlternateContent xmlns:mc="http://schemas.openxmlformats.org/markup-compatibility/2006">
-        <mc:Choice xmlns:a14="http://schemas.microsoft.com/office/drawing/2010/main" Requires="a14">
+      <mc:AlternateContent xmlns:mc="http://schemas.openxmlformats.org/markup-compatibility/2006" xmlns:a14="http://schemas.microsoft.com/office/drawing/2010/main">
+        <mc:Choice Requires="a14">
           <p:sp>
             <p:nvSpPr>
               <p:cNvPr id="15" name="TextBox 14">
@@ -3861,6 +3870,7 @@
               </a:bodyPr>
               <a:lstStyle/>
               <a:p>
+                <a:pPr/>
                 <a14:m>
                   <m:oMathPara xmlns:m="http://schemas.openxmlformats.org/officeDocument/2006/math">
                     <m:oMathParaPr>
@@ -3881,7 +3891,7 @@
             </p:txBody>
           </p:sp>
         </mc:Choice>
-        <mc:Fallback>
+        <mc:Fallback xmlns="">
           <p:sp>
             <p:nvSpPr>
               <p:cNvPr id="15" name="TextBox 14">
@@ -3926,8 +3936,8 @@
           </p:sp>
         </mc:Fallback>
       </mc:AlternateContent>
-      <mc:AlternateContent xmlns:mc="http://schemas.openxmlformats.org/markup-compatibility/2006">
-        <mc:Choice xmlns:a14="http://schemas.microsoft.com/office/drawing/2010/main" Requires="a14">
+      <mc:AlternateContent xmlns:mc="http://schemas.openxmlformats.org/markup-compatibility/2006" xmlns:a14="http://schemas.microsoft.com/office/drawing/2010/main">
+        <mc:Choice Requires="a14">
           <p:sp>
             <p:nvSpPr>
               <p:cNvPr id="16" name="TextBox 15">
@@ -3956,6 +3966,7 @@
               </a:bodyPr>
               <a:lstStyle/>
               <a:p>
+                <a:pPr/>
                 <a14:m>
                   <m:oMathPara xmlns:m="http://schemas.openxmlformats.org/officeDocument/2006/math">
                     <m:oMathParaPr>
@@ -3976,7 +3987,7 @@
             </p:txBody>
           </p:sp>
         </mc:Choice>
-        <mc:Fallback>
+        <mc:Fallback xmlns="">
           <p:sp>
             <p:nvSpPr>
               <p:cNvPr id="16" name="TextBox 15">
@@ -4021,8 +4032,8 @@
           </p:sp>
         </mc:Fallback>
       </mc:AlternateContent>
-      <mc:AlternateContent xmlns:mc="http://schemas.openxmlformats.org/markup-compatibility/2006">
-        <mc:Choice xmlns:a14="http://schemas.microsoft.com/office/drawing/2010/main" Requires="a14">
+      <mc:AlternateContent xmlns:mc="http://schemas.openxmlformats.org/markup-compatibility/2006" xmlns:a14="http://schemas.microsoft.com/office/drawing/2010/main">
+        <mc:Choice Requires="a14">
           <p:sp>
             <p:nvSpPr>
               <p:cNvPr id="17" name="TextBox 16">
@@ -4051,6 +4062,7 @@
               </a:bodyPr>
               <a:lstStyle/>
               <a:p>
+                <a:pPr/>
                 <a14:m>
                   <m:oMathPara xmlns:m="http://schemas.openxmlformats.org/officeDocument/2006/math">
                     <m:oMathParaPr>
@@ -4163,7 +4175,7 @@
             </p:txBody>
           </p:sp>
         </mc:Choice>
-        <mc:Fallback>
+        <mc:Fallback xmlns="">
           <p:sp>
             <p:nvSpPr>
               <p:cNvPr id="17" name="TextBox 16">
@@ -4297,8 +4309,8 @@
           </a:fontRef>
         </p:style>
       </p:cxnSp>
-      <mc:AlternateContent xmlns:mc="http://schemas.openxmlformats.org/markup-compatibility/2006">
-        <mc:Choice xmlns:a14="http://schemas.microsoft.com/office/drawing/2010/main" Requires="a14">
+      <mc:AlternateContent xmlns:mc="http://schemas.openxmlformats.org/markup-compatibility/2006" xmlns:a14="http://schemas.microsoft.com/office/drawing/2010/main">
+        <mc:Choice Requires="a14">
           <p:sp>
             <p:nvSpPr>
               <p:cNvPr id="23" name="TextBox 22">
@@ -4327,6 +4339,7 @@
               </a:bodyPr>
               <a:lstStyle/>
               <a:p>
+                <a:pPr/>
                 <a14:m>
                   <m:oMathPara xmlns:m="http://schemas.openxmlformats.org/officeDocument/2006/math">
                     <m:oMathParaPr>
@@ -4347,7 +4360,7 @@
             </p:txBody>
           </p:sp>
         </mc:Choice>
-        <mc:Fallback>
+        <mc:Fallback xmlns="">
           <p:sp>
             <p:nvSpPr>
               <p:cNvPr id="23" name="TextBox 22">
@@ -4392,8 +4405,8 @@
           </p:sp>
         </mc:Fallback>
       </mc:AlternateContent>
-      <mc:AlternateContent xmlns:mc="http://schemas.openxmlformats.org/markup-compatibility/2006">
-        <mc:Choice xmlns:a14="http://schemas.microsoft.com/office/drawing/2010/main" Requires="a14">
+      <mc:AlternateContent xmlns:mc="http://schemas.openxmlformats.org/markup-compatibility/2006" xmlns:a14="http://schemas.microsoft.com/office/drawing/2010/main">
+        <mc:Choice Requires="a14">
           <p:sp>
             <p:nvSpPr>
               <p:cNvPr id="24" name="TextBox 23">
@@ -4422,6 +4435,7 @@
               </a:bodyPr>
               <a:lstStyle/>
               <a:p>
+                <a:pPr/>
                 <a14:m>
                   <m:oMathPara xmlns:m="http://schemas.openxmlformats.org/officeDocument/2006/math">
                     <m:oMathParaPr>
@@ -4442,7 +4456,7 @@
             </p:txBody>
           </p:sp>
         </mc:Choice>
-        <mc:Fallback>
+        <mc:Fallback xmlns="">
           <p:sp>
             <p:nvSpPr>
               <p:cNvPr id="24" name="TextBox 23">
@@ -4491,6 +4505,982 @@
     <p:extLst>
       <p:ext uri="{BB962C8B-B14F-4D97-AF65-F5344CB8AC3E}">
         <p14:creationId xmlns:p14="http://schemas.microsoft.com/office/powerpoint/2010/main" val="570515119"/>
+      </p:ext>
+    </p:extLst>
+  </p:cSld>
+  <p:clrMapOvr>
+    <a:masterClrMapping/>
+  </p:clrMapOvr>
+</p:sld>
+</file>
+
+<file path=ppt/slides/slide2.xml><?xml version="1.0" encoding="utf-8"?>
+<p:sld xmlns:a="http://schemas.openxmlformats.org/drawingml/2006/main" xmlns:r="http://schemas.openxmlformats.org/officeDocument/2006/relationships" xmlns:p="http://schemas.openxmlformats.org/presentationml/2006/main">
+  <p:cSld>
+    <p:spTree>
+      <p:nvGrpSpPr>
+        <p:cNvPr id="1" name=""/>
+        <p:cNvGrpSpPr/>
+        <p:nvPr/>
+      </p:nvGrpSpPr>
+      <p:grpSpPr>
+        <a:xfrm>
+          <a:off x="0" y="0"/>
+          <a:ext cx="0" cy="0"/>
+          <a:chOff x="0" y="0"/>
+          <a:chExt cx="0" cy="0"/>
+        </a:xfrm>
+      </p:grpSpPr>
+      <p:cxnSp>
+        <p:nvCxnSpPr>
+          <p:cNvPr id="5" name="직선 화살표 연결선 4">
+            <a:extLst>
+              <a:ext uri="{FF2B5EF4-FFF2-40B4-BE49-F238E27FC236}">
+                <a16:creationId xmlns:a16="http://schemas.microsoft.com/office/drawing/2014/main" id="{97E7C87D-B659-4BC8-8454-6EFA00861040}"/>
+              </a:ext>
+            </a:extLst>
+          </p:cNvPr>
+          <p:cNvCxnSpPr/>
+          <p:nvPr/>
+        </p:nvCxnSpPr>
+        <p:spPr>
+          <a:xfrm>
+            <a:off x="3065282" y="3429000"/>
+            <a:ext cx="6061436" cy="0"/>
+          </a:xfrm>
+          <a:prstGeom prst="straightConnector1">
+            <a:avLst/>
+          </a:prstGeom>
+          <a:ln w="19050">
+            <a:tailEnd type="triangle"/>
+          </a:ln>
+        </p:spPr>
+        <p:style>
+          <a:lnRef idx="1">
+            <a:schemeClr val="dk1"/>
+          </a:lnRef>
+          <a:fillRef idx="0">
+            <a:schemeClr val="dk1"/>
+          </a:fillRef>
+          <a:effectRef idx="0">
+            <a:schemeClr val="dk1"/>
+          </a:effectRef>
+          <a:fontRef idx="minor">
+            <a:schemeClr val="tx1"/>
+          </a:fontRef>
+        </p:style>
+      </p:cxnSp>
+      <p:cxnSp>
+        <p:nvCxnSpPr>
+          <p:cNvPr id="7" name="직선 화살표 연결선 6">
+            <a:extLst>
+              <a:ext uri="{FF2B5EF4-FFF2-40B4-BE49-F238E27FC236}">
+                <a16:creationId xmlns:a16="http://schemas.microsoft.com/office/drawing/2014/main" id="{CF2EE055-DD26-43E8-90F8-DF31281D86E8}"/>
+              </a:ext>
+            </a:extLst>
+          </p:cNvPr>
+          <p:cNvCxnSpPr/>
+          <p:nvPr/>
+        </p:nvCxnSpPr>
+        <p:spPr>
+          <a:xfrm flipV="1">
+            <a:off x="6096000" y="732934"/>
+            <a:ext cx="0" cy="5392132"/>
+          </a:xfrm>
+          <a:prstGeom prst="straightConnector1">
+            <a:avLst/>
+          </a:prstGeom>
+          <a:ln w="19050">
+            <a:tailEnd type="triangle"/>
+          </a:ln>
+        </p:spPr>
+        <p:style>
+          <a:lnRef idx="1">
+            <a:schemeClr val="dk1"/>
+          </a:lnRef>
+          <a:fillRef idx="0">
+            <a:schemeClr val="dk1"/>
+          </a:fillRef>
+          <a:effectRef idx="0">
+            <a:schemeClr val="dk1"/>
+          </a:effectRef>
+          <a:fontRef idx="minor">
+            <a:schemeClr val="tx1"/>
+          </a:fontRef>
+        </p:style>
+      </p:cxnSp>
+      <p:sp>
+        <p:nvSpPr>
+          <p:cNvPr id="8" name="타원 7">
+            <a:extLst>
+              <a:ext uri="{FF2B5EF4-FFF2-40B4-BE49-F238E27FC236}">
+                <a16:creationId xmlns:a16="http://schemas.microsoft.com/office/drawing/2014/main" id="{0FCEF0E4-0F64-4FB4-99C7-63AF1634A0EE}"/>
+              </a:ext>
+            </a:extLst>
+          </p:cNvPr>
+          <p:cNvSpPr/>
+          <p:nvPr/>
+        </p:nvSpPr>
+        <p:spPr>
+          <a:xfrm>
+            <a:off x="4348918" y="1681918"/>
+            <a:ext cx="3494164" cy="3494164"/>
+          </a:xfrm>
+          <a:prstGeom prst="ellipse">
+            <a:avLst/>
+          </a:prstGeom>
+          <a:noFill/>
+          <a:ln w="38100">
+            <a:solidFill>
+              <a:schemeClr val="tx1"/>
+            </a:solidFill>
+          </a:ln>
+        </p:spPr>
+        <p:style>
+          <a:lnRef idx="2">
+            <a:schemeClr val="accent1">
+              <a:shade val="50000"/>
+            </a:schemeClr>
+          </a:lnRef>
+          <a:fillRef idx="1">
+            <a:schemeClr val="accent1"/>
+          </a:fillRef>
+          <a:effectRef idx="0">
+            <a:schemeClr val="accent1"/>
+          </a:effectRef>
+          <a:fontRef idx="minor">
+            <a:schemeClr val="lt1"/>
+          </a:fontRef>
+        </p:style>
+        <p:txBody>
+          <a:bodyPr rtlCol="0" anchor="ctr"/>
+          <a:lstStyle/>
+          <a:p>
+            <a:pPr algn="ctr"/>
+            <a:endParaRPr lang="ko-KR" altLang="en-US"/>
+          </a:p>
+        </p:txBody>
+      </p:sp>
+      <mc:AlternateContent xmlns:mc="http://schemas.openxmlformats.org/markup-compatibility/2006">
+        <mc:Choice xmlns:a14="http://schemas.microsoft.com/office/drawing/2010/main" Requires="a14">
+          <p:sp>
+            <p:nvSpPr>
+              <p:cNvPr id="9" name="TextBox 8">
+                <a:extLst>
+                  <a:ext uri="{FF2B5EF4-FFF2-40B4-BE49-F238E27FC236}">
+                    <a16:creationId xmlns:a16="http://schemas.microsoft.com/office/drawing/2014/main" id="{89D90C60-F473-42FC-8685-F5798434528D}"/>
+                  </a:ext>
+                </a:extLst>
+              </p:cNvPr>
+              <p:cNvSpPr txBox="1"/>
+              <p:nvPr/>
+            </p:nvSpPr>
+            <p:spPr>
+              <a:xfrm>
+                <a:off x="8860330" y="3429000"/>
+                <a:ext cx="532775" cy="369332"/>
+              </a:xfrm>
+              <a:prstGeom prst="rect">
+                <a:avLst/>
+              </a:prstGeom>
+              <a:noFill/>
+            </p:spPr>
+            <p:txBody>
+              <a:bodyPr wrap="none" rtlCol="0">
+                <a:spAutoFit/>
+              </a:bodyPr>
+              <a:lstStyle/>
+              <a:p>
+                <a:pPr/>
+                <a14:m>
+                  <m:oMathPara xmlns:m="http://schemas.openxmlformats.org/officeDocument/2006/math">
+                    <m:oMathParaPr>
+                      <m:jc m:val="centerGroup"/>
+                    </m:oMathParaPr>
+                    <m:oMath xmlns:m="http://schemas.openxmlformats.org/officeDocument/2006/math">
+                      <m:r>
+                        <a:rPr lang="en-US" altLang="ko-KR" b="0" i="1" smtClean="0">
+                          <a:latin typeface="Cambria Math" panose="02040503050406030204" pitchFamily="18" charset="0"/>
+                        </a:rPr>
+                        <m:t>𝑅𝑒</m:t>
+                      </m:r>
+                    </m:oMath>
+                  </m:oMathPara>
+                </a14:m>
+                <a:endParaRPr lang="ko-KR" altLang="en-US" dirty="0"/>
+              </a:p>
+            </p:txBody>
+          </p:sp>
+        </mc:Choice>
+        <mc:Fallback>
+          <p:sp>
+            <p:nvSpPr>
+              <p:cNvPr id="9" name="TextBox 8">
+                <a:extLst>
+                  <a:ext uri="{FF2B5EF4-FFF2-40B4-BE49-F238E27FC236}">
+                    <a16:creationId xmlns:a16="http://schemas.microsoft.com/office/drawing/2014/main" id="{89D90C60-F473-42FC-8685-F5798434528D}"/>
+                  </a:ext>
+                </a:extLst>
+              </p:cNvPr>
+              <p:cNvSpPr txBox="1">
+                <a:spLocks noRot="1" noChangeAspect="1" noMove="1" noResize="1" noEditPoints="1" noAdjustHandles="1" noChangeArrowheads="1" noChangeShapeType="1" noTextEdit="1"/>
+              </p:cNvSpPr>
+              <p:nvPr/>
+            </p:nvSpPr>
+            <p:spPr>
+              <a:xfrm>
+                <a:off x="8860330" y="3429000"/>
+                <a:ext cx="532775" cy="369332"/>
+              </a:xfrm>
+              <a:prstGeom prst="rect">
+                <a:avLst/>
+              </a:prstGeom>
+              <a:blipFill>
+                <a:blip r:embed="rId2"/>
+                <a:stretch>
+                  <a:fillRect/>
+                </a:stretch>
+              </a:blipFill>
+            </p:spPr>
+            <p:txBody>
+              <a:bodyPr/>
+              <a:lstStyle/>
+              <a:p>
+                <a:r>
+                  <a:rPr lang="ko-KR" altLang="en-US">
+                    <a:noFill/>
+                  </a:rPr>
+                  <a:t> </a:t>
+                </a:r>
+              </a:p>
+            </p:txBody>
+          </p:sp>
+        </mc:Fallback>
+      </mc:AlternateContent>
+      <mc:AlternateContent xmlns:mc="http://schemas.openxmlformats.org/markup-compatibility/2006">
+        <mc:Choice xmlns:a14="http://schemas.microsoft.com/office/drawing/2010/main" Requires="a14">
+          <p:sp>
+            <p:nvSpPr>
+              <p:cNvPr id="10" name="TextBox 9">
+                <a:extLst>
+                  <a:ext uri="{FF2B5EF4-FFF2-40B4-BE49-F238E27FC236}">
+                    <a16:creationId xmlns:a16="http://schemas.microsoft.com/office/drawing/2014/main" id="{C77A558B-A8F7-4584-BFEB-37026DBF0792}"/>
+                  </a:ext>
+                </a:extLst>
+              </p:cNvPr>
+              <p:cNvSpPr txBox="1"/>
+              <p:nvPr/>
+            </p:nvSpPr>
+            <p:spPr>
+              <a:xfrm>
+                <a:off x="5543477" y="623711"/>
+                <a:ext cx="552523" cy="369332"/>
+              </a:xfrm>
+              <a:prstGeom prst="rect">
+                <a:avLst/>
+              </a:prstGeom>
+              <a:noFill/>
+            </p:spPr>
+            <p:txBody>
+              <a:bodyPr wrap="none" rtlCol="0">
+                <a:spAutoFit/>
+              </a:bodyPr>
+              <a:lstStyle/>
+              <a:p>
+                <a:pPr/>
+                <a14:m>
+                  <m:oMathPara xmlns:m="http://schemas.openxmlformats.org/officeDocument/2006/math">
+                    <m:oMathParaPr>
+                      <m:jc m:val="centerGroup"/>
+                    </m:oMathParaPr>
+                    <m:oMath xmlns:m="http://schemas.openxmlformats.org/officeDocument/2006/math">
+                      <m:r>
+                        <a:rPr lang="en-US" altLang="ko-KR" b="0" i="1" smtClean="0">
+                          <a:latin typeface="Cambria Math" panose="02040503050406030204" pitchFamily="18" charset="0"/>
+                        </a:rPr>
+                        <m:t>𝐼𝑚</m:t>
+                      </m:r>
+                    </m:oMath>
+                  </m:oMathPara>
+                </a14:m>
+                <a:endParaRPr lang="ko-KR" altLang="en-US" dirty="0"/>
+              </a:p>
+            </p:txBody>
+          </p:sp>
+        </mc:Choice>
+        <mc:Fallback>
+          <p:sp>
+            <p:nvSpPr>
+              <p:cNvPr id="10" name="TextBox 9">
+                <a:extLst>
+                  <a:ext uri="{FF2B5EF4-FFF2-40B4-BE49-F238E27FC236}">
+                    <a16:creationId xmlns:a16="http://schemas.microsoft.com/office/drawing/2014/main" id="{C77A558B-A8F7-4584-BFEB-37026DBF0792}"/>
+                  </a:ext>
+                </a:extLst>
+              </p:cNvPr>
+              <p:cNvSpPr txBox="1">
+                <a:spLocks noRot="1" noChangeAspect="1" noMove="1" noResize="1" noEditPoints="1" noAdjustHandles="1" noChangeArrowheads="1" noChangeShapeType="1" noTextEdit="1"/>
+              </p:cNvSpPr>
+              <p:nvPr/>
+            </p:nvSpPr>
+            <p:spPr>
+              <a:xfrm>
+                <a:off x="5543477" y="623711"/>
+                <a:ext cx="552523" cy="369332"/>
+              </a:xfrm>
+              <a:prstGeom prst="rect">
+                <a:avLst/>
+              </a:prstGeom>
+              <a:blipFill>
+                <a:blip r:embed="rId3"/>
+                <a:stretch>
+                  <a:fillRect/>
+                </a:stretch>
+              </a:blipFill>
+            </p:spPr>
+            <p:txBody>
+              <a:bodyPr/>
+              <a:lstStyle/>
+              <a:p>
+                <a:r>
+                  <a:rPr lang="ko-KR" altLang="en-US">
+                    <a:noFill/>
+                  </a:rPr>
+                  <a:t> </a:t>
+                </a:r>
+              </a:p>
+            </p:txBody>
+          </p:sp>
+        </mc:Fallback>
+      </mc:AlternateContent>
+      <mc:AlternateContent xmlns:mc="http://schemas.openxmlformats.org/markup-compatibility/2006">
+        <mc:Choice xmlns:a14="http://schemas.microsoft.com/office/drawing/2010/main" Requires="a14">
+          <p:sp>
+            <p:nvSpPr>
+              <p:cNvPr id="11" name="TextBox 10">
+                <a:extLst>
+                  <a:ext uri="{FF2B5EF4-FFF2-40B4-BE49-F238E27FC236}">
+                    <a16:creationId xmlns:a16="http://schemas.microsoft.com/office/drawing/2014/main" id="{CE1D0514-AE84-46EE-97A9-4D81BE603203}"/>
+                  </a:ext>
+                </a:extLst>
+              </p:cNvPr>
+              <p:cNvSpPr txBox="1"/>
+              <p:nvPr/>
+            </p:nvSpPr>
+            <p:spPr>
+              <a:xfrm>
+                <a:off x="7843082" y="3429000"/>
+                <a:ext cx="394660" cy="369332"/>
+              </a:xfrm>
+              <a:prstGeom prst="rect">
+                <a:avLst/>
+              </a:prstGeom>
+              <a:noFill/>
+            </p:spPr>
+            <p:txBody>
+              <a:bodyPr wrap="none" rtlCol="0">
+                <a:spAutoFit/>
+              </a:bodyPr>
+              <a:lstStyle/>
+              <a:p>
+                <a14:m>
+                  <m:oMathPara xmlns:m="http://schemas.openxmlformats.org/officeDocument/2006/math">
+                    <m:oMathParaPr>
+                      <m:jc m:val="centerGroup"/>
+                    </m:oMathParaPr>
+                    <m:oMath xmlns:m="http://schemas.openxmlformats.org/officeDocument/2006/math">
+                      <m:r>
+                        <a:rPr lang="en-US" altLang="ko-KR" b="0" i="1" smtClean="0">
+                          <a:latin typeface="Cambria Math" panose="02040503050406030204" pitchFamily="18" charset="0"/>
+                        </a:rPr>
+                        <m:t>1</m:t>
+                      </m:r>
+                    </m:oMath>
+                  </m:oMathPara>
+                </a14:m>
+                <a:endParaRPr lang="ko-KR" altLang="en-US" dirty="0"/>
+              </a:p>
+            </p:txBody>
+          </p:sp>
+        </mc:Choice>
+        <mc:Fallback>
+          <p:sp>
+            <p:nvSpPr>
+              <p:cNvPr id="11" name="TextBox 10">
+                <a:extLst>
+                  <a:ext uri="{FF2B5EF4-FFF2-40B4-BE49-F238E27FC236}">
+                    <a16:creationId xmlns:a16="http://schemas.microsoft.com/office/drawing/2014/main" id="{CE1D0514-AE84-46EE-97A9-4D81BE603203}"/>
+                  </a:ext>
+                </a:extLst>
+              </p:cNvPr>
+              <p:cNvSpPr txBox="1">
+                <a:spLocks noRot="1" noChangeAspect="1" noMove="1" noResize="1" noEditPoints="1" noAdjustHandles="1" noChangeArrowheads="1" noChangeShapeType="1" noTextEdit="1"/>
+              </p:cNvSpPr>
+              <p:nvPr/>
+            </p:nvSpPr>
+            <p:spPr>
+              <a:xfrm>
+                <a:off x="7843082" y="3429000"/>
+                <a:ext cx="394660" cy="369332"/>
+              </a:xfrm>
+              <a:prstGeom prst="rect">
+                <a:avLst/>
+              </a:prstGeom>
+              <a:blipFill>
+                <a:blip r:embed="rId4"/>
+                <a:stretch>
+                  <a:fillRect/>
+                </a:stretch>
+              </a:blipFill>
+            </p:spPr>
+            <p:txBody>
+              <a:bodyPr/>
+              <a:lstStyle/>
+              <a:p>
+                <a:r>
+                  <a:rPr lang="ko-KR" altLang="en-US">
+                    <a:noFill/>
+                  </a:rPr>
+                  <a:t> </a:t>
+                </a:r>
+              </a:p>
+            </p:txBody>
+          </p:sp>
+        </mc:Fallback>
+      </mc:AlternateContent>
+      <mc:AlternateContent xmlns:mc="http://schemas.openxmlformats.org/markup-compatibility/2006">
+        <mc:Choice xmlns:a14="http://schemas.microsoft.com/office/drawing/2010/main" Requires="a14">
+          <p:sp>
+            <p:nvSpPr>
+              <p:cNvPr id="12" name="TextBox 11">
+                <a:extLst>
+                  <a:ext uri="{FF2B5EF4-FFF2-40B4-BE49-F238E27FC236}">
+                    <a16:creationId xmlns:a16="http://schemas.microsoft.com/office/drawing/2014/main" id="{EDB019B1-91E5-4C40-91CC-4BBF9BD1E6DF}"/>
+                  </a:ext>
+                </a:extLst>
+              </p:cNvPr>
+              <p:cNvSpPr txBox="1"/>
+              <p:nvPr/>
+            </p:nvSpPr>
+            <p:spPr>
+              <a:xfrm>
+                <a:off x="5701340" y="3429000"/>
+                <a:ext cx="394659" cy="369332"/>
+              </a:xfrm>
+              <a:prstGeom prst="rect">
+                <a:avLst/>
+              </a:prstGeom>
+              <a:noFill/>
+            </p:spPr>
+            <p:txBody>
+              <a:bodyPr wrap="none" rtlCol="0">
+                <a:spAutoFit/>
+              </a:bodyPr>
+              <a:lstStyle/>
+              <a:p>
+                <a14:m>
+                  <m:oMathPara xmlns:m="http://schemas.openxmlformats.org/officeDocument/2006/math">
+                    <m:oMathParaPr>
+                      <m:jc m:val="centerGroup"/>
+                    </m:oMathParaPr>
+                    <m:oMath xmlns:m="http://schemas.openxmlformats.org/officeDocument/2006/math">
+                      <m:r>
+                        <a:rPr lang="en-US" altLang="ko-KR" b="0" i="1" smtClean="0">
+                          <a:latin typeface="Cambria Math" panose="02040503050406030204" pitchFamily="18" charset="0"/>
+                        </a:rPr>
+                        <m:t>0</m:t>
+                      </m:r>
+                    </m:oMath>
+                  </m:oMathPara>
+                </a14:m>
+                <a:endParaRPr lang="ko-KR" altLang="en-US" dirty="0"/>
+              </a:p>
+            </p:txBody>
+          </p:sp>
+        </mc:Choice>
+        <mc:Fallback>
+          <p:sp>
+            <p:nvSpPr>
+              <p:cNvPr id="12" name="TextBox 11">
+                <a:extLst>
+                  <a:ext uri="{FF2B5EF4-FFF2-40B4-BE49-F238E27FC236}">
+                    <a16:creationId xmlns:a16="http://schemas.microsoft.com/office/drawing/2014/main" id="{EDB019B1-91E5-4C40-91CC-4BBF9BD1E6DF}"/>
+                  </a:ext>
+                </a:extLst>
+              </p:cNvPr>
+              <p:cNvSpPr txBox="1">
+                <a:spLocks noRot="1" noChangeAspect="1" noMove="1" noResize="1" noEditPoints="1" noAdjustHandles="1" noChangeArrowheads="1" noChangeShapeType="1" noTextEdit="1"/>
+              </p:cNvSpPr>
+              <p:nvPr/>
+            </p:nvSpPr>
+            <p:spPr>
+              <a:xfrm>
+                <a:off x="5701340" y="3429000"/>
+                <a:ext cx="394659" cy="369332"/>
+              </a:xfrm>
+              <a:prstGeom prst="rect">
+                <a:avLst/>
+              </a:prstGeom>
+              <a:blipFill>
+                <a:blip r:embed="rId5"/>
+                <a:stretch>
+                  <a:fillRect/>
+                </a:stretch>
+              </a:blipFill>
+            </p:spPr>
+            <p:txBody>
+              <a:bodyPr/>
+              <a:lstStyle/>
+              <a:p>
+                <a:r>
+                  <a:rPr lang="ko-KR" altLang="en-US">
+                    <a:noFill/>
+                  </a:rPr>
+                  <a:t> </a:t>
+                </a:r>
+              </a:p>
+            </p:txBody>
+          </p:sp>
+        </mc:Fallback>
+      </mc:AlternateContent>
+      <mc:AlternateContent xmlns:mc="http://schemas.openxmlformats.org/markup-compatibility/2006">
+        <mc:Choice xmlns:a14="http://schemas.microsoft.com/office/drawing/2010/main" Requires="a14">
+          <p:sp>
+            <p:nvSpPr>
+              <p:cNvPr id="13" name="TextBox 12">
+                <a:extLst>
+                  <a:ext uri="{FF2B5EF4-FFF2-40B4-BE49-F238E27FC236}">
+                    <a16:creationId xmlns:a16="http://schemas.microsoft.com/office/drawing/2014/main" id="{FC159EB0-2AF1-4E7B-9695-A25F340D4A0B}"/>
+                  </a:ext>
+                </a:extLst>
+              </p:cNvPr>
+              <p:cNvSpPr txBox="1"/>
+              <p:nvPr/>
+            </p:nvSpPr>
+            <p:spPr>
+              <a:xfrm>
+                <a:off x="5701340" y="1312586"/>
+                <a:ext cx="394659" cy="369332"/>
+              </a:xfrm>
+              <a:prstGeom prst="rect">
+                <a:avLst/>
+              </a:prstGeom>
+              <a:noFill/>
+            </p:spPr>
+            <p:txBody>
+              <a:bodyPr wrap="none" rtlCol="0">
+                <a:spAutoFit/>
+              </a:bodyPr>
+              <a:lstStyle/>
+              <a:p>
+                <a14:m>
+                  <m:oMathPara xmlns:m="http://schemas.openxmlformats.org/officeDocument/2006/math">
+                    <m:oMathParaPr>
+                      <m:jc m:val="centerGroup"/>
+                    </m:oMathParaPr>
+                    <m:oMath xmlns:m="http://schemas.openxmlformats.org/officeDocument/2006/math">
+                      <m:r>
+                        <a:rPr lang="en-US" altLang="ko-KR" b="0" i="1" smtClean="0">
+                          <a:latin typeface="Cambria Math" panose="02040503050406030204" pitchFamily="18" charset="0"/>
+                        </a:rPr>
+                        <m:t>1</m:t>
+                      </m:r>
+                    </m:oMath>
+                  </m:oMathPara>
+                </a14:m>
+                <a:endParaRPr lang="ko-KR" altLang="en-US" dirty="0"/>
+              </a:p>
+            </p:txBody>
+          </p:sp>
+        </mc:Choice>
+        <mc:Fallback>
+          <p:sp>
+            <p:nvSpPr>
+              <p:cNvPr id="13" name="TextBox 12">
+                <a:extLst>
+                  <a:ext uri="{FF2B5EF4-FFF2-40B4-BE49-F238E27FC236}">
+                    <a16:creationId xmlns:a16="http://schemas.microsoft.com/office/drawing/2014/main" id="{FC159EB0-2AF1-4E7B-9695-A25F340D4A0B}"/>
+                  </a:ext>
+                </a:extLst>
+              </p:cNvPr>
+              <p:cNvSpPr txBox="1">
+                <a:spLocks noRot="1" noChangeAspect="1" noMove="1" noResize="1" noEditPoints="1" noAdjustHandles="1" noChangeArrowheads="1" noChangeShapeType="1" noTextEdit="1"/>
+              </p:cNvSpPr>
+              <p:nvPr/>
+            </p:nvSpPr>
+            <p:spPr>
+              <a:xfrm>
+                <a:off x="5701340" y="1312586"/>
+                <a:ext cx="394659" cy="369332"/>
+              </a:xfrm>
+              <a:prstGeom prst="rect">
+                <a:avLst/>
+              </a:prstGeom>
+              <a:blipFill>
+                <a:blip r:embed="rId6"/>
+                <a:stretch>
+                  <a:fillRect/>
+                </a:stretch>
+              </a:blipFill>
+            </p:spPr>
+            <p:txBody>
+              <a:bodyPr/>
+              <a:lstStyle/>
+              <a:p>
+                <a:r>
+                  <a:rPr lang="ko-KR" altLang="en-US">
+                    <a:noFill/>
+                  </a:rPr>
+                  <a:t> </a:t>
+                </a:r>
+              </a:p>
+            </p:txBody>
+          </p:sp>
+        </mc:Fallback>
+      </mc:AlternateContent>
+      <p:sp>
+        <p:nvSpPr>
+          <p:cNvPr id="14" name="타원 13">
+            <a:extLst>
+              <a:ext uri="{FF2B5EF4-FFF2-40B4-BE49-F238E27FC236}">
+                <a16:creationId xmlns:a16="http://schemas.microsoft.com/office/drawing/2014/main" id="{B56CE382-70A7-4675-8FF9-ECB6530CDBEE}"/>
+              </a:ext>
+            </a:extLst>
+          </p:cNvPr>
+          <p:cNvSpPr/>
+          <p:nvPr/>
+        </p:nvSpPr>
+        <p:spPr>
+          <a:xfrm>
+            <a:off x="7274451" y="2138994"/>
+            <a:ext cx="122550" cy="122550"/>
+          </a:xfrm>
+          <a:prstGeom prst="ellipse">
+            <a:avLst/>
+          </a:prstGeom>
+          <a:solidFill>
+            <a:schemeClr val="bg1"/>
+          </a:solidFill>
+          <a:ln w="38100">
+            <a:solidFill>
+              <a:schemeClr val="tx1"/>
+            </a:solidFill>
+          </a:ln>
+        </p:spPr>
+        <p:style>
+          <a:lnRef idx="2">
+            <a:schemeClr val="accent1">
+              <a:shade val="50000"/>
+            </a:schemeClr>
+          </a:lnRef>
+          <a:fillRef idx="1">
+            <a:schemeClr val="accent1"/>
+          </a:fillRef>
+          <a:effectRef idx="0">
+            <a:schemeClr val="accent1"/>
+          </a:effectRef>
+          <a:fontRef idx="minor">
+            <a:schemeClr val="lt1"/>
+          </a:fontRef>
+        </p:style>
+        <p:txBody>
+          <a:bodyPr rtlCol="0" anchor="ctr"/>
+          <a:lstStyle/>
+          <a:p>
+            <a:pPr algn="ctr"/>
+            <a:endParaRPr lang="ko-KR" altLang="en-US"/>
+          </a:p>
+        </p:txBody>
+      </p:sp>
+      <p:cxnSp>
+        <p:nvCxnSpPr>
+          <p:cNvPr id="15" name="직선 연결선 14">
+            <a:extLst>
+              <a:ext uri="{FF2B5EF4-FFF2-40B4-BE49-F238E27FC236}">
+                <a16:creationId xmlns:a16="http://schemas.microsoft.com/office/drawing/2014/main" id="{25FB9C4D-4355-45CC-B4A5-4B5B1D1D4DA9}"/>
+              </a:ext>
+            </a:extLst>
+          </p:cNvPr>
+          <p:cNvCxnSpPr>
+            <a:cxnSpLocks/>
+            <a:endCxn id="14" idx="3"/>
+          </p:cNvCxnSpPr>
+          <p:nvPr/>
+        </p:nvCxnSpPr>
+        <p:spPr>
+          <a:xfrm flipV="1">
+            <a:off x="6093130" y="2243597"/>
+            <a:ext cx="1199268" cy="1185065"/>
+          </a:xfrm>
+          <a:prstGeom prst="line">
+            <a:avLst/>
+          </a:prstGeom>
+          <a:ln/>
+        </p:spPr>
+        <p:style>
+          <a:lnRef idx="1">
+            <a:schemeClr val="dk1"/>
+          </a:lnRef>
+          <a:fillRef idx="0">
+            <a:schemeClr val="dk1"/>
+          </a:fillRef>
+          <a:effectRef idx="0">
+            <a:schemeClr val="dk1"/>
+          </a:effectRef>
+          <a:fontRef idx="minor">
+            <a:schemeClr val="tx1"/>
+          </a:fontRef>
+        </p:style>
+      </p:cxnSp>
+      <p:sp>
+        <p:nvSpPr>
+          <p:cNvPr id="16" name="원호 15">
+            <a:extLst>
+              <a:ext uri="{FF2B5EF4-FFF2-40B4-BE49-F238E27FC236}">
+                <a16:creationId xmlns:a16="http://schemas.microsoft.com/office/drawing/2014/main" id="{349A16DE-9D8D-4336-94AF-09F8D41AADC6}"/>
+              </a:ext>
+            </a:extLst>
+          </p:cNvPr>
+          <p:cNvSpPr/>
+          <p:nvPr/>
+        </p:nvSpPr>
+        <p:spPr>
+          <a:xfrm>
+            <a:off x="5654722" y="3013780"/>
+            <a:ext cx="886668" cy="829764"/>
+          </a:xfrm>
+          <a:prstGeom prst="arc">
+            <a:avLst>
+              <a:gd name="adj1" fmla="val 18888806"/>
+              <a:gd name="adj2" fmla="val 34863"/>
+            </a:avLst>
+          </a:prstGeom>
+          <a:ln w="12700">
+            <a:solidFill>
+              <a:schemeClr val="tx1"/>
+            </a:solidFill>
+            <a:prstDash val="dash"/>
+          </a:ln>
+        </p:spPr>
+        <p:style>
+          <a:lnRef idx="1">
+            <a:schemeClr val="accent1"/>
+          </a:lnRef>
+          <a:fillRef idx="0">
+            <a:schemeClr val="accent1"/>
+          </a:fillRef>
+          <a:effectRef idx="0">
+            <a:schemeClr val="accent1"/>
+          </a:effectRef>
+          <a:fontRef idx="minor">
+            <a:schemeClr val="tx1"/>
+          </a:fontRef>
+        </p:style>
+        <p:txBody>
+          <a:bodyPr rtlCol="0" anchor="ctr"/>
+          <a:lstStyle/>
+          <a:p>
+            <a:pPr algn="ctr"/>
+            <a:endParaRPr lang="ko-KR" altLang="en-US"/>
+          </a:p>
+        </p:txBody>
+      </p:sp>
+      <mc:AlternateContent xmlns:mc="http://schemas.openxmlformats.org/markup-compatibility/2006">
+        <mc:Choice xmlns:a14="http://schemas.microsoft.com/office/drawing/2010/main" Requires="a14">
+          <p:sp>
+            <p:nvSpPr>
+              <p:cNvPr id="17" name="TextBox 16">
+                <a:extLst>
+                  <a:ext uri="{FF2B5EF4-FFF2-40B4-BE49-F238E27FC236}">
+                    <a16:creationId xmlns:a16="http://schemas.microsoft.com/office/drawing/2014/main" id="{7D8E5EE5-C291-4393-A0C8-D1B48FF348B9}"/>
+                  </a:ext>
+                </a:extLst>
+              </p:cNvPr>
+              <p:cNvSpPr txBox="1"/>
+              <p:nvPr/>
+            </p:nvSpPr>
+            <p:spPr>
+              <a:xfrm>
+                <a:off x="6458279" y="2955621"/>
+                <a:ext cx="402994" cy="369332"/>
+              </a:xfrm>
+              <a:prstGeom prst="rect">
+                <a:avLst/>
+              </a:prstGeom>
+              <a:noFill/>
+            </p:spPr>
+            <p:txBody>
+              <a:bodyPr wrap="none" rtlCol="0">
+                <a:spAutoFit/>
+              </a:bodyPr>
+              <a:lstStyle/>
+              <a:p>
+                <a:pPr/>
+                <a14:m>
+                  <m:oMathPara xmlns:m="http://schemas.openxmlformats.org/officeDocument/2006/math">
+                    <m:oMathParaPr>
+                      <m:jc m:val="centerGroup"/>
+                    </m:oMathParaPr>
+                    <m:oMath xmlns:m="http://schemas.openxmlformats.org/officeDocument/2006/math">
+                      <m:r>
+                        <a:rPr lang="en-US" altLang="ko-KR" b="0" i="1" smtClean="0">
+                          <a:latin typeface="Cambria Math" panose="02040503050406030204" pitchFamily="18" charset="0"/>
+                        </a:rPr>
+                        <m:t>𝜃</m:t>
+                      </m:r>
+                    </m:oMath>
+                  </m:oMathPara>
+                </a14:m>
+                <a:endParaRPr lang="ko-KR" altLang="en-US" dirty="0"/>
+              </a:p>
+            </p:txBody>
+          </p:sp>
+        </mc:Choice>
+        <mc:Fallback>
+          <p:sp>
+            <p:nvSpPr>
+              <p:cNvPr id="17" name="TextBox 16">
+                <a:extLst>
+                  <a:ext uri="{FF2B5EF4-FFF2-40B4-BE49-F238E27FC236}">
+                    <a16:creationId xmlns:a16="http://schemas.microsoft.com/office/drawing/2014/main" id="{7D8E5EE5-C291-4393-A0C8-D1B48FF348B9}"/>
+                  </a:ext>
+                </a:extLst>
+              </p:cNvPr>
+              <p:cNvSpPr txBox="1">
+                <a:spLocks noRot="1" noChangeAspect="1" noMove="1" noResize="1" noEditPoints="1" noAdjustHandles="1" noChangeArrowheads="1" noChangeShapeType="1" noTextEdit="1"/>
+              </p:cNvSpPr>
+              <p:nvPr/>
+            </p:nvSpPr>
+            <p:spPr>
+              <a:xfrm>
+                <a:off x="6458279" y="2955621"/>
+                <a:ext cx="402994" cy="369332"/>
+              </a:xfrm>
+              <a:prstGeom prst="rect">
+                <a:avLst/>
+              </a:prstGeom>
+              <a:blipFill>
+                <a:blip r:embed="rId7"/>
+                <a:stretch>
+                  <a:fillRect/>
+                </a:stretch>
+              </a:blipFill>
+            </p:spPr>
+            <p:txBody>
+              <a:bodyPr/>
+              <a:lstStyle/>
+              <a:p>
+                <a:r>
+                  <a:rPr lang="ko-KR" altLang="en-US">
+                    <a:noFill/>
+                  </a:rPr>
+                  <a:t> </a:t>
+                </a:r>
+              </a:p>
+            </p:txBody>
+          </p:sp>
+        </mc:Fallback>
+      </mc:AlternateContent>
+      <mc:AlternateContent xmlns:mc="http://schemas.openxmlformats.org/markup-compatibility/2006">
+        <mc:Choice xmlns:a14="http://schemas.microsoft.com/office/drawing/2010/main" Requires="a14">
+          <p:sp>
+            <p:nvSpPr>
+              <p:cNvPr id="18" name="TextBox 17">
+                <a:extLst>
+                  <a:ext uri="{FF2B5EF4-FFF2-40B4-BE49-F238E27FC236}">
+                    <a16:creationId xmlns:a16="http://schemas.microsoft.com/office/drawing/2014/main" id="{12DA30D7-0403-479F-BABB-A45603D64E4B}"/>
+                  </a:ext>
+                </a:extLst>
+              </p:cNvPr>
+              <p:cNvSpPr txBox="1"/>
+              <p:nvPr/>
+            </p:nvSpPr>
+            <p:spPr>
+              <a:xfrm>
+                <a:off x="6458279" y="2483211"/>
+                <a:ext cx="380489" cy="369332"/>
+              </a:xfrm>
+              <a:prstGeom prst="rect">
+                <a:avLst/>
+              </a:prstGeom>
+              <a:noFill/>
+            </p:spPr>
+            <p:txBody>
+              <a:bodyPr wrap="square" rtlCol="0">
+                <a:spAutoFit/>
+              </a:bodyPr>
+              <a:lstStyle/>
+              <a:p>
+                <a:pPr/>
+                <a14:m>
+                  <m:oMathPara xmlns:m="http://schemas.openxmlformats.org/officeDocument/2006/math">
+                    <m:oMathParaPr>
+                      <m:jc m:val="centerGroup"/>
+                    </m:oMathParaPr>
+                    <m:oMath xmlns:m="http://schemas.openxmlformats.org/officeDocument/2006/math">
+                      <m:r>
+                        <a:rPr lang="en-US" altLang="ko-KR" b="0" i="1" smtClean="0">
+                          <a:latin typeface="Cambria Math" panose="02040503050406030204" pitchFamily="18" charset="0"/>
+                        </a:rPr>
+                        <m:t>1</m:t>
+                      </m:r>
+                    </m:oMath>
+                  </m:oMathPara>
+                </a14:m>
+                <a:endParaRPr lang="ko-KR" altLang="en-US" dirty="0"/>
+              </a:p>
+            </p:txBody>
+          </p:sp>
+        </mc:Choice>
+        <mc:Fallback>
+          <p:sp>
+            <p:nvSpPr>
+              <p:cNvPr id="18" name="TextBox 17">
+                <a:extLst>
+                  <a:ext uri="{FF2B5EF4-FFF2-40B4-BE49-F238E27FC236}">
+                    <a16:creationId xmlns:a16="http://schemas.microsoft.com/office/drawing/2014/main" id="{12DA30D7-0403-479F-BABB-A45603D64E4B}"/>
+                  </a:ext>
+                </a:extLst>
+              </p:cNvPr>
+              <p:cNvSpPr txBox="1">
+                <a:spLocks noRot="1" noChangeAspect="1" noMove="1" noResize="1" noEditPoints="1" noAdjustHandles="1" noChangeArrowheads="1" noChangeShapeType="1" noTextEdit="1"/>
+              </p:cNvSpPr>
+              <p:nvPr/>
+            </p:nvSpPr>
+            <p:spPr>
+              <a:xfrm>
+                <a:off x="6458279" y="2483211"/>
+                <a:ext cx="380489" cy="369332"/>
+              </a:xfrm>
+              <a:prstGeom prst="rect">
+                <a:avLst/>
+              </a:prstGeom>
+              <a:blipFill>
+                <a:blip r:embed="rId8"/>
+                <a:stretch>
+                  <a:fillRect/>
+                </a:stretch>
+              </a:blipFill>
+            </p:spPr>
+            <p:txBody>
+              <a:bodyPr/>
+              <a:lstStyle/>
+              <a:p>
+                <a:r>
+                  <a:rPr lang="ko-KR" altLang="en-US">
+                    <a:noFill/>
+                  </a:rPr>
+                  <a:t> </a:t>
+                </a:r>
+              </a:p>
+            </p:txBody>
+          </p:sp>
+        </mc:Fallback>
+      </mc:AlternateContent>
+    </p:spTree>
+    <p:extLst>
+      <p:ext uri="{BB962C8B-B14F-4D97-AF65-F5344CB8AC3E}">
+        <p14:creationId xmlns:p14="http://schemas.microsoft.com/office/powerpoint/2010/main" val="308591741"/>
       </p:ext>
     </p:extLst>
   </p:cSld>
